--- a/calculator/Coding Kata - Calculator.pptx
+++ b/calculator/Coding Kata - Calculator.pptx
@@ -5,12 +5,13 @@
     <p:sldMasterId id="2147483648" r:id="rId1"/>
   </p:sldMasterIdLst>
   <p:notesMasterIdLst>
-    <p:notesMasterId r:id="rId5"/>
+    <p:notesMasterId r:id="rId6"/>
   </p:notesMasterIdLst>
   <p:sldIdLst>
     <p:sldId id="279" r:id="rId2"/>
     <p:sldId id="287" r:id="rId3"/>
     <p:sldId id="288" r:id="rId4"/>
+    <p:sldId id="289" r:id="rId5"/>
   </p:sldIdLst>
   <p:sldSz cx="9144000" cy="6858000" type="screen4x3"/>
   <p:notesSz cx="6858000" cy="9144000"/>
@@ -222,7 +223,7 @@
           <a:p>
             <a:fld id="{312D2A74-5733-489F-AE3E-678E3C4642CF}" type="datetimeFigureOut">
               <a:rPr lang="nl-NL" smtClean="0"/>
-              <a:t>9-3-2016</a:t>
+              <a:t>30-3-2016</a:t>
             </a:fld>
             <a:endParaRPr lang="nl-NL"/>
           </a:p>
@@ -5480,16 +5481,7 @@
                 </a:solidFill>
                 <a:latin typeface="Bebas Neue" panose="020B0000000000000000" pitchFamily="34" charset="0"/>
               </a:rPr>
-              <a:t> </a:t>
-            </a:r>
-            <a:r>
-              <a:rPr lang="nl-NL" sz="3600" dirty="0" smtClean="0">
-                <a:solidFill>
-                  <a:srgbClr val="00572D"/>
-                </a:solidFill>
-                <a:latin typeface="Bebas Neue" panose="020B0000000000000000" pitchFamily="34" charset="0"/>
-              </a:rPr>
-              <a:t>Unit </a:t>
+              <a:t> Unit </a:t>
             </a:r>
             <a:r>
               <a:rPr lang="nl-NL" sz="3600" dirty="0" err="1" smtClean="0">
@@ -5509,12 +5501,6 @@
               </a:rPr>
               <a:t> – Calculator</a:t>
             </a:r>
-            <a:endParaRPr lang="nl-NL" sz="3600" dirty="0" smtClean="0">
-              <a:solidFill>
-                <a:srgbClr val="00572D"/>
-              </a:solidFill>
-              <a:latin typeface="Bebas Neue" panose="020B0000000000000000" pitchFamily="34" charset="0"/>
-            </a:endParaRPr>
           </a:p>
           <a:p>
             <a:endParaRPr lang="nl-NL" sz="2000" dirty="0" smtClean="0"/>
@@ -5687,12 +5673,8 @@
               </a:lnSpc>
             </a:pPr>
             <a:r>
-              <a:rPr lang="nl-NL" sz="2000" dirty="0" smtClean="0"/>
-              <a:t>Korte intr</a:t>
-            </a:r>
-            <a:r>
-              <a:rPr lang="nl-NL" sz="2000" dirty="0" smtClean="0"/>
-              <a:t>o en uitleg</a:t>
+              <a:rPr lang="nl-NL" sz="2800" dirty="0" smtClean="0"/>
+              <a:t>Korte intro en uitleg</a:t>
             </a:r>
           </a:p>
           <a:p>
@@ -5701,7 +5683,7 @@
                 <a:spcPct val="100000"/>
               </a:lnSpc>
             </a:pPr>
-            <a:endParaRPr lang="nl-NL" sz="2000" dirty="0"/>
+            <a:endParaRPr lang="nl-NL" sz="2800" dirty="0"/>
           </a:p>
           <a:p>
             <a:pPr>
@@ -5710,8 +5692,16 @@
               </a:lnSpc>
             </a:pPr>
             <a:r>
-              <a:rPr lang="nl-NL" sz="2000" dirty="0" smtClean="0"/>
-              <a:t>Coderen! (15 minuten)</a:t>
+              <a:rPr lang="nl-NL" sz="2800" dirty="0" smtClean="0"/>
+              <a:t>Coderen! </a:t>
+            </a:r>
+            <a:r>
+              <a:rPr lang="nl-NL" sz="2800" dirty="0" smtClean="0"/>
+              <a:t>(20 </a:t>
+            </a:r>
+            <a:r>
+              <a:rPr lang="nl-NL" sz="2800" dirty="0" smtClean="0"/>
+              <a:t>minuten)</a:t>
             </a:r>
           </a:p>
           <a:p>
@@ -5720,7 +5710,7 @@
                 <a:spcPct val="100000"/>
               </a:lnSpc>
             </a:pPr>
-            <a:endParaRPr lang="nl-NL" sz="2000" dirty="0"/>
+            <a:endParaRPr lang="nl-NL" sz="2800" dirty="0"/>
           </a:p>
           <a:p>
             <a:pPr>
@@ -5729,9 +5719,10 @@
               </a:lnSpc>
             </a:pPr>
             <a:r>
-              <a:rPr lang="nl-NL" sz="2000" dirty="0" smtClean="0"/>
-              <a:t>Presenteren van oplossing(en) (20)</a:t>
-            </a:r>
+              <a:rPr lang="nl-NL" sz="2800" dirty="0" smtClean="0"/>
+              <a:t>Presentatie en feedback (15 minuten)</a:t>
+            </a:r>
+            <a:endParaRPr lang="nl-NL" sz="2800" dirty="0" smtClean="0"/>
           </a:p>
           <a:p>
             <a:pPr>
@@ -5739,7 +5730,7 @@
                 <a:spcPct val="100000"/>
               </a:lnSpc>
             </a:pPr>
-            <a:endParaRPr lang="nl-NL" sz="2000" dirty="0"/>
+            <a:endParaRPr lang="nl-NL" sz="2800" dirty="0"/>
           </a:p>
           <a:p>
             <a:pPr>
@@ -5747,11 +5738,7 @@
                 <a:spcPct val="100000"/>
               </a:lnSpc>
             </a:pPr>
-            <a:r>
-              <a:rPr lang="nl-NL" sz="2000" dirty="0" smtClean="0"/>
-              <a:t>Vragen?</a:t>
-            </a:r>
-            <a:endParaRPr lang="nl-NL" sz="1400" dirty="0" smtClean="0"/>
+            <a:endParaRPr lang="nl-NL" sz="1800" dirty="0" smtClean="0"/>
           </a:p>
           <a:p>
             <a:pPr>
@@ -5916,7 +5903,7 @@
         </p:nvSpPr>
         <p:spPr>
           <a:xfrm>
-            <a:off x="962024" y="1484785"/>
+            <a:off x="755576" y="1268760"/>
             <a:ext cx="7858447" cy="4896544"/>
           </a:xfrm>
         </p:spPr>
@@ -5931,15 +5918,15 @@
               <a:buNone/>
             </a:pPr>
             <a:r>
-              <a:rPr lang="nl-NL" sz="2000" dirty="0" smtClean="0"/>
+              <a:rPr lang="nl-NL" sz="2400" dirty="0" smtClean="0"/>
               <a:t>Doel van deze </a:t>
             </a:r>
             <a:r>
-              <a:rPr lang="nl-NL" sz="2000" dirty="0" err="1" smtClean="0"/>
+              <a:rPr lang="nl-NL" sz="2400" dirty="0" err="1" smtClean="0"/>
               <a:t>kata</a:t>
             </a:r>
             <a:r>
-              <a:rPr lang="nl-NL" sz="2000" dirty="0" smtClean="0"/>
+              <a:rPr lang="nl-NL" sz="2400" dirty="0" smtClean="0"/>
               <a:t>:</a:t>
             </a:r>
           </a:p>
@@ -5950,7 +5937,7 @@
               </a:lnSpc>
             </a:pPr>
             <a:r>
-              <a:rPr lang="nl-NL" sz="2000" dirty="0" smtClean="0"/>
+              <a:rPr lang="nl-NL" sz="2400" dirty="0" smtClean="0"/>
               <a:t>schrijf unit testen voor de code van de calculator</a:t>
             </a:r>
           </a:p>
@@ -5961,14 +5948,14 @@
               </a:lnSpc>
             </a:pPr>
             <a:r>
-              <a:rPr lang="nl-NL" sz="2000" dirty="0" smtClean="0"/>
+              <a:rPr lang="nl-NL" sz="2400" dirty="0" smtClean="0"/>
               <a:t>100% code </a:t>
             </a:r>
             <a:r>
-              <a:rPr lang="nl-NL" sz="2000" dirty="0" err="1" smtClean="0"/>
+              <a:rPr lang="nl-NL" sz="2400" dirty="0" err="1" smtClean="0"/>
               <a:t>coverage</a:t>
             </a:r>
-            <a:endParaRPr lang="nl-NL" sz="2000" dirty="0" smtClean="0"/>
+            <a:endParaRPr lang="nl-NL" sz="2400" dirty="0" smtClean="0"/>
           </a:p>
           <a:p>
             <a:pPr>
@@ -5977,8 +5964,297 @@
               </a:lnSpc>
             </a:pPr>
             <a:r>
+              <a:rPr lang="nl-NL" sz="2400" dirty="0" smtClean="0"/>
+              <a:t>gebruiken van </a:t>
+            </a:r>
+            <a:r>
+              <a:rPr lang="nl-NL" sz="2400" dirty="0" err="1" smtClean="0"/>
+              <a:t>xUnit</a:t>
+            </a:r>
+            <a:r>
+              <a:rPr lang="nl-NL" sz="2400" dirty="0" smtClean="0"/>
+              <a:t> </a:t>
+            </a:r>
+            <a:r>
+              <a:rPr lang="nl-NL" sz="2400" dirty="0"/>
+              <a:t>voor de unit testen</a:t>
+            </a:r>
+          </a:p>
+          <a:p>
+            <a:pPr>
+              <a:lnSpc>
+                <a:spcPct val="100000"/>
+              </a:lnSpc>
+            </a:pPr>
+            <a:endParaRPr lang="nl-NL" sz="2400" dirty="0" smtClean="0"/>
+          </a:p>
+          <a:p>
+            <a:pPr marL="0" indent="0">
+              <a:lnSpc>
+                <a:spcPct val="100000"/>
+              </a:lnSpc>
+              <a:buNone/>
+            </a:pPr>
+            <a:endParaRPr lang="nl-NL" sz="2400" dirty="0" smtClean="0"/>
+          </a:p>
+          <a:p>
+            <a:pPr marL="0" indent="0">
+              <a:lnSpc>
+                <a:spcPct val="100000"/>
+              </a:lnSpc>
+              <a:buNone/>
+            </a:pPr>
+            <a:r>
+              <a:rPr lang="nl-NL" sz="2400" dirty="0" smtClean="0"/>
+              <a:t>Wat </a:t>
+            </a:r>
+            <a:r>
+              <a:rPr lang="nl-NL" sz="2400" dirty="0" smtClean="0"/>
+              <a:t>doet het?</a:t>
+            </a:r>
+          </a:p>
+          <a:p>
+            <a:pPr>
+              <a:lnSpc>
+                <a:spcPct val="100000"/>
+              </a:lnSpc>
+            </a:pPr>
+            <a:r>
+              <a:rPr lang="nl-NL" sz="2400" dirty="0" smtClean="0"/>
+              <a:t>Sommeert alle integers in een array…</a:t>
+            </a:r>
+          </a:p>
+          <a:p>
+            <a:pPr>
+              <a:lnSpc>
+                <a:spcPct val="100000"/>
+              </a:lnSpc>
+            </a:pPr>
+            <a:endParaRPr lang="nl-NL" sz="2400" dirty="0" smtClean="0"/>
+          </a:p>
+          <a:p>
+            <a:pPr>
+              <a:lnSpc>
+                <a:spcPct val="100000"/>
+              </a:lnSpc>
+            </a:pPr>
+            <a:endParaRPr lang="nl-NL" sz="2000" dirty="0"/>
+          </a:p>
+          <a:p>
+            <a:pPr>
+              <a:lnSpc>
+                <a:spcPct val="100000"/>
+              </a:lnSpc>
+            </a:pPr>
+            <a:endParaRPr lang="nl-NL" sz="2000" dirty="0"/>
+          </a:p>
+          <a:p>
+            <a:pPr>
+              <a:lnSpc>
+                <a:spcPct val="100000"/>
+              </a:lnSpc>
+            </a:pPr>
+            <a:endParaRPr lang="nl-NL" sz="1600" dirty="0" smtClean="0"/>
+          </a:p>
+        </p:txBody>
+      </p:sp>
+    </p:spTree>
+    <p:extLst>
+      <p:ext uri="{BB962C8B-B14F-4D97-AF65-F5344CB8AC3E}">
+        <p14:creationId xmlns:p14="http://schemas.microsoft.com/office/powerpoint/2010/main" val="131983663"/>
+      </p:ext>
+    </p:extLst>
+  </p:cSld>
+  <p:clrMapOvr>
+    <a:masterClrMapping/>
+  </p:clrMapOvr>
+  <p:timing>
+    <p:tnLst>
+      <p:par>
+        <p:cTn id="1" dur="indefinite" restart="never" nodeType="tmRoot"/>
+      </p:par>
+    </p:tnLst>
+  </p:timing>
+</p:sld>
+</file>
+
+<file path=ppt/slides/slide4.xml><?xml version="1.0" encoding="utf-8"?>
+<p:sld xmlns:a="http://schemas.openxmlformats.org/drawingml/2006/main" xmlns:r="http://schemas.openxmlformats.org/officeDocument/2006/relationships" xmlns:p="http://schemas.openxmlformats.org/presentationml/2006/main">
+  <p:cSld>
+    <p:spTree>
+      <p:nvGrpSpPr>
+        <p:cNvPr id="1" name=""/>
+        <p:cNvGrpSpPr/>
+        <p:nvPr/>
+      </p:nvGrpSpPr>
+      <p:grpSpPr>
+        <a:xfrm>
+          <a:off x="0" y="0"/>
+          <a:ext cx="0" cy="0"/>
+          <a:chOff x="0" y="0"/>
+          <a:chExt cx="0" cy="0"/>
+        </a:xfrm>
+      </p:grpSpPr>
+      <p:sp>
+        <p:nvSpPr>
+          <p:cNvPr id="33" name="Text Placeholder 3"/>
+          <p:cNvSpPr>
+            <a:spLocks noGrp="1"/>
+          </p:cNvSpPr>
+          <p:nvPr>
+            <p:ph type="body" sz="quarter" idx="13"/>
+          </p:nvPr>
+        </p:nvSpPr>
+        <p:spPr>
+          <a:xfrm>
+            <a:off x="962025" y="548680"/>
+            <a:ext cx="6516688" cy="424900"/>
+          </a:xfrm>
+        </p:spPr>
+        <p:txBody>
+          <a:bodyPr/>
+          <a:lstStyle/>
+          <a:p>
+            <a:r>
+              <a:rPr lang="nl-NL" sz="2800" dirty="0" err="1">
+                <a:latin typeface="Bebas Neue" panose="020B0000000000000000" pitchFamily="34" charset="0"/>
+              </a:rPr>
+              <a:t>Coding</a:t>
+            </a:r>
+            <a:r>
+              <a:rPr lang="nl-NL" sz="2800" dirty="0">
+                <a:latin typeface="Bebas Neue" panose="020B0000000000000000" pitchFamily="34" charset="0"/>
+              </a:rPr>
+              <a:t> Unit </a:t>
+            </a:r>
+            <a:r>
+              <a:rPr lang="nl-NL" sz="2800" dirty="0" err="1">
+                <a:latin typeface="Bebas Neue" panose="020B0000000000000000" pitchFamily="34" charset="0"/>
+              </a:rPr>
+              <a:t>Testing</a:t>
+            </a:r>
+            <a:r>
+              <a:rPr lang="nl-NL" sz="2800" dirty="0">
+                <a:latin typeface="Bebas Neue" panose="020B0000000000000000" pitchFamily="34" charset="0"/>
+              </a:rPr>
+              <a:t> – Calculator</a:t>
+            </a:r>
+            <a:endParaRPr lang="nl-NL" dirty="0">
+              <a:latin typeface="Bebas Neue" panose="020B0000000000000000" pitchFamily="34" charset="0"/>
+            </a:endParaRPr>
+          </a:p>
+        </p:txBody>
+      </p:sp>
+      <p:sp>
+        <p:nvSpPr>
+          <p:cNvPr id="34" name="Text Placeholder 3"/>
+          <p:cNvSpPr>
+            <a:spLocks noGrp="1"/>
+          </p:cNvSpPr>
+          <p:nvPr>
+            <p:ph type="body" sz="quarter" idx="13"/>
+          </p:nvPr>
+        </p:nvSpPr>
+        <p:spPr>
+          <a:xfrm>
+            <a:off x="962025" y="945887"/>
+            <a:ext cx="6516688" cy="353233"/>
+          </a:xfrm>
+        </p:spPr>
+        <p:txBody>
+          <a:bodyPr/>
+          <a:lstStyle/>
+          <a:p>
+            <a:r>
+              <a:rPr lang="nl-NL" sz="2000" dirty="0" smtClean="0">
+                <a:solidFill>
+                  <a:srgbClr val="A5CD39"/>
+                </a:solidFill>
+                <a:latin typeface="Bebas Neue" panose="020B0000000000000000" pitchFamily="34" charset="0"/>
+              </a:rPr>
+              <a:t>Intro en uitleg</a:t>
+            </a:r>
+            <a:endParaRPr lang="nl-NL" sz="2000" dirty="0">
+              <a:solidFill>
+                <a:srgbClr val="A5CD39"/>
+              </a:solidFill>
+              <a:latin typeface="Bebas Neue" panose="020B0000000000000000" pitchFamily="34" charset="0"/>
+            </a:endParaRPr>
+          </a:p>
+        </p:txBody>
+      </p:sp>
+      <p:sp>
+        <p:nvSpPr>
+          <p:cNvPr id="6" name="Text Placeholder 2"/>
+          <p:cNvSpPr>
+            <a:spLocks noGrp="1"/>
+          </p:cNvSpPr>
+          <p:nvPr>
+            <p:ph type="body" sz="quarter" idx="12"/>
+          </p:nvPr>
+        </p:nvSpPr>
+        <p:spPr>
+          <a:xfrm>
+            <a:off x="755576" y="1268760"/>
+            <a:ext cx="7858447" cy="4896544"/>
+          </a:xfrm>
+        </p:spPr>
+        <p:txBody>
+          <a:bodyPr/>
+          <a:lstStyle/>
+          <a:p>
+            <a:pPr marL="0" indent="0">
+              <a:lnSpc>
+                <a:spcPct val="100000"/>
+              </a:lnSpc>
+              <a:buNone/>
+            </a:pPr>
+            <a:r>
+              <a:rPr lang="nl-NL" sz="2400" dirty="0" smtClean="0"/>
+              <a:t>Nodig</a:t>
+            </a:r>
+            <a:r>
+              <a:rPr lang="nl-NL" sz="2400" dirty="0" smtClean="0"/>
+              <a:t>:</a:t>
+            </a:r>
+            <a:endParaRPr lang="nl-NL" sz="2400" dirty="0"/>
+          </a:p>
+          <a:p>
+            <a:pPr>
+              <a:lnSpc>
+                <a:spcPct val="100000"/>
+              </a:lnSpc>
+            </a:pPr>
+            <a:r>
+              <a:rPr lang="nl-NL" sz="2000" dirty="0" err="1" smtClean="0"/>
+              <a:t>ReSharper</a:t>
+            </a:r>
+            <a:r>
               <a:rPr lang="nl-NL" sz="2000" dirty="0" smtClean="0"/>
-              <a:t>gebruiken van </a:t>
+              <a:t> </a:t>
+            </a:r>
+            <a:r>
+              <a:rPr lang="nl-NL" sz="2000" dirty="0"/>
+              <a:t>(eenvoudig starten van test</a:t>
+            </a:r>
+            <a:r>
+              <a:rPr lang="nl-NL" sz="2000" dirty="0" smtClean="0"/>
+              <a:t>)</a:t>
+            </a:r>
+          </a:p>
+          <a:p>
+            <a:pPr>
+              <a:lnSpc>
+                <a:spcPct val="100000"/>
+              </a:lnSpc>
+            </a:pPr>
+            <a:r>
+              <a:rPr lang="nl-NL" sz="2000" dirty="0" err="1" smtClean="0"/>
+              <a:t>Resharper</a:t>
+            </a:r>
+            <a:r>
+              <a:rPr lang="nl-NL" sz="2000" dirty="0" smtClean="0"/>
+              <a:t> </a:t>
             </a:r>
             <a:r>
               <a:rPr lang="nl-NL" sz="2000" dirty="0" err="1" smtClean="0"/>
@@ -5986,11 +6262,126 @@
             </a:r>
             <a:r>
               <a:rPr lang="nl-NL" sz="2000" dirty="0" smtClean="0"/>
+              <a:t> Extension:</a:t>
+            </a:r>
+            <a:endParaRPr lang="nl-NL" sz="2000" dirty="0"/>
+          </a:p>
+          <a:p>
+            <a:pPr lvl="1">
+              <a:lnSpc>
+                <a:spcPct val="100000"/>
+              </a:lnSpc>
+            </a:pPr>
+            <a:r>
+              <a:rPr lang="nl-NL" sz="1600" dirty="0" smtClean="0"/>
+              <a:t>1) VS </a:t>
+            </a:r>
+            <a:r>
+              <a:rPr lang="nl-NL" sz="1600" dirty="0" smtClean="0"/>
+              <a:t>&gt; </a:t>
+            </a:r>
+            <a:r>
+              <a:rPr lang="nl-NL" sz="1600" dirty="0" err="1" smtClean="0"/>
+              <a:t>ReSharper</a:t>
+            </a:r>
+            <a:r>
+              <a:rPr lang="nl-NL" sz="1600" dirty="0" smtClean="0"/>
               <a:t> </a:t>
             </a:r>
             <a:r>
+              <a:rPr lang="nl-NL" sz="1600" dirty="0"/>
+              <a:t>&gt; Extension Manager… </a:t>
+            </a:r>
+            <a:endParaRPr lang="nl-NL" sz="1600" dirty="0" smtClean="0"/>
+          </a:p>
+          <a:p>
+            <a:pPr lvl="1">
+              <a:lnSpc>
+                <a:spcPct val="100000"/>
+              </a:lnSpc>
+            </a:pPr>
+            <a:r>
+              <a:rPr lang="nl-NL" sz="1600" dirty="0" smtClean="0"/>
+              <a:t>2) </a:t>
+            </a:r>
+            <a:r>
+              <a:rPr lang="nl-NL" sz="1600" dirty="0" smtClean="0"/>
+              <a:t>zoek </a:t>
+            </a:r>
+            <a:r>
+              <a:rPr lang="nl-NL" sz="1600" dirty="0"/>
+              <a:t>op “</a:t>
+            </a:r>
+            <a:r>
+              <a:rPr lang="nl-NL" sz="1600" b="1" dirty="0"/>
+              <a:t>xUnit.net Test Support </a:t>
+            </a:r>
+            <a:r>
+              <a:rPr lang="nl-NL" sz="1600" b="1" dirty="0" err="1"/>
+              <a:t>for</a:t>
+            </a:r>
+            <a:r>
+              <a:rPr lang="nl-NL" sz="1600" b="1" dirty="0"/>
+              <a:t> </a:t>
+            </a:r>
+            <a:r>
+              <a:rPr lang="nl-NL" sz="1600" b="1" dirty="0" err="1"/>
+              <a:t>ReSharper</a:t>
+            </a:r>
+            <a:r>
+              <a:rPr lang="nl-NL" sz="1600" dirty="0"/>
+              <a:t>” </a:t>
+            </a:r>
+            <a:endParaRPr lang="nl-NL" sz="1600" dirty="0" smtClean="0"/>
+          </a:p>
+          <a:p>
+            <a:pPr lvl="1">
+              <a:lnSpc>
+                <a:spcPct val="100000"/>
+              </a:lnSpc>
+            </a:pPr>
+            <a:r>
+              <a:rPr lang="nl-NL" sz="1600" dirty="0" smtClean="0"/>
+              <a:t>3) </a:t>
+            </a:r>
+            <a:r>
+              <a:rPr lang="nl-NL" sz="1600" dirty="0" err="1" smtClean="0"/>
+              <a:t>install</a:t>
+            </a:r>
+            <a:r>
+              <a:rPr lang="nl-NL" sz="1600" dirty="0" smtClean="0"/>
+              <a:t> </a:t>
+            </a:r>
+            <a:r>
+              <a:rPr lang="nl-NL" sz="1600" dirty="0"/>
+              <a:t>&gt; </a:t>
+            </a:r>
+            <a:r>
+              <a:rPr lang="nl-NL" sz="1600" dirty="0" err="1"/>
+              <a:t>restart</a:t>
+            </a:r>
+            <a:r>
+              <a:rPr lang="nl-NL" sz="1600" dirty="0"/>
+              <a:t> VS</a:t>
+            </a:r>
+          </a:p>
+          <a:p>
+            <a:pPr>
+              <a:lnSpc>
+                <a:spcPct val="100000"/>
+              </a:lnSpc>
+            </a:pPr>
+            <a:endParaRPr lang="nl-NL" sz="2400" dirty="0" smtClean="0"/>
+          </a:p>
+          <a:p>
+            <a:pPr>
+              <a:lnSpc>
+                <a:spcPct val="100000"/>
+              </a:lnSpc>
+            </a:pPr>
+            <a:r>
               <a:rPr lang="nl-NL" sz="2000" dirty="0"/>
-              <a:t>voor de unit testen</a:t>
+              <a:t>Code: Calculator.sln</a:t>
             </a:r>
           </a:p>
           <a:p>
@@ -6009,8 +6400,8 @@
               <a:buNone/>
             </a:pPr>
             <a:r>
-              <a:rPr lang="nl-NL" sz="2000" dirty="0" smtClean="0"/>
-              <a:t>Wat doet het?</a:t>
+              <a:rPr lang="nl-NL" sz="2400" dirty="0"/>
+              <a:t>Links &amp; tips:</a:t>
             </a:r>
           </a:p>
           <a:p>
@@ -6020,10 +6411,26 @@
               </a:lnSpc>
             </a:pPr>
             <a:r>
-              <a:rPr lang="nl-NL" sz="2000" dirty="0" smtClean="0"/>
-              <a:t>Sommeert alle integers in een array…</a:t>
-            </a:r>
-            <a:endParaRPr lang="nl-NL" sz="2000" dirty="0" smtClean="0"/>
+              <a:rPr lang="nl-NL" sz="2000" dirty="0" err="1"/>
+              <a:t>xUnit</a:t>
+            </a:r>
+            <a:r>
+              <a:rPr lang="nl-NL" sz="2000" dirty="0"/>
+              <a:t>: </a:t>
+            </a:r>
+            <a:r>
+              <a:rPr lang="nl-NL" sz="2000" dirty="0">
+                <a:hlinkClick r:id="rId2"/>
+              </a:rPr>
+              <a:t>https://xunit.github.io</a:t>
+            </a:r>
+            <a:r>
+              <a:rPr lang="nl-NL" sz="2000" dirty="0">
+                <a:hlinkClick r:id="rId2"/>
+              </a:rPr>
+              <a:t>/</a:t>
+            </a:r>
+            <a:endParaRPr lang="nl-NL" sz="2000" dirty="0"/>
           </a:p>
           <a:p>
             <a:pPr>
@@ -6031,116 +6438,7 @@
                 <a:spcPct val="100000"/>
               </a:lnSpc>
             </a:pPr>
-            <a:endParaRPr lang="nl-NL" sz="2000" dirty="0" smtClean="0"/>
-          </a:p>
-          <a:p>
-            <a:pPr marL="0" indent="0">
-              <a:lnSpc>
-                <a:spcPct val="100000"/>
-              </a:lnSpc>
-              <a:buNone/>
-            </a:pPr>
-            <a:r>
-              <a:rPr lang="nl-NL" sz="2000" dirty="0" smtClean="0"/>
-              <a:t>Nodig:</a:t>
-            </a:r>
-            <a:endParaRPr lang="nl-NL" sz="2000" dirty="0"/>
-          </a:p>
-          <a:p>
-            <a:pPr>
-              <a:lnSpc>
-                <a:spcPct val="100000"/>
-              </a:lnSpc>
-            </a:pPr>
-            <a:r>
-              <a:rPr lang="nl-NL" sz="2000" dirty="0" err="1"/>
-              <a:t>ReSharper</a:t>
-            </a:r>
-            <a:r>
-              <a:rPr lang="nl-NL" sz="2000" dirty="0"/>
-              <a:t> (eenvoudig starten van test):</a:t>
-            </a:r>
-          </a:p>
-          <a:p>
-            <a:pPr lvl="1">
-              <a:lnSpc>
-                <a:spcPct val="100000"/>
-              </a:lnSpc>
-            </a:pPr>
-            <a:r>
-              <a:rPr lang="nl-NL" sz="1400" dirty="0" smtClean="0"/>
-              <a:t>VS &gt; </a:t>
-            </a:r>
-            <a:r>
-              <a:rPr lang="nl-NL" sz="1400" dirty="0" err="1" smtClean="0"/>
-              <a:t>ReSharper</a:t>
-            </a:r>
-            <a:r>
-              <a:rPr lang="nl-NL" sz="1400" dirty="0" smtClean="0"/>
-              <a:t> </a:t>
-            </a:r>
-            <a:r>
-              <a:rPr lang="nl-NL" sz="1400" dirty="0"/>
-              <a:t>&gt; Extension Manager… &gt; zoek op “</a:t>
-            </a:r>
-            <a:r>
-              <a:rPr lang="nl-NL" sz="1400" b="1" dirty="0"/>
-              <a:t>xUnit.net Test Support </a:t>
-            </a:r>
-            <a:r>
-              <a:rPr lang="nl-NL" sz="1400" b="1" dirty="0" err="1"/>
-              <a:t>for</a:t>
-            </a:r>
-            <a:r>
-              <a:rPr lang="nl-NL" sz="1400" b="1" dirty="0"/>
-              <a:t> </a:t>
-            </a:r>
-            <a:r>
-              <a:rPr lang="nl-NL" sz="1400" b="1" dirty="0" err="1"/>
-              <a:t>ReSharper</a:t>
-            </a:r>
-            <a:r>
-              <a:rPr lang="nl-NL" sz="1400" dirty="0"/>
-              <a:t>” &gt; </a:t>
-            </a:r>
-            <a:r>
-              <a:rPr lang="nl-NL" sz="1400" dirty="0" err="1"/>
-              <a:t>install</a:t>
-            </a:r>
-            <a:r>
-              <a:rPr lang="nl-NL" sz="1400" dirty="0"/>
-              <a:t> &gt; </a:t>
-            </a:r>
-            <a:r>
-              <a:rPr lang="nl-NL" sz="1400" dirty="0" err="1"/>
-              <a:t>restart</a:t>
-            </a:r>
-            <a:r>
-              <a:rPr lang="nl-NL" sz="1400" dirty="0"/>
-              <a:t> VS</a:t>
-            </a:r>
-          </a:p>
-          <a:p>
-            <a:pPr>
-              <a:lnSpc>
-                <a:spcPct val="100000"/>
-              </a:lnSpc>
-            </a:pPr>
-            <a:r>
-              <a:rPr lang="nl-NL" sz="2000" dirty="0" smtClean="0"/>
-              <a:t>Code: </a:t>
-            </a:r>
-          </a:p>
-          <a:p>
-            <a:pPr lvl="1">
-              <a:lnSpc>
-                <a:spcPct val="100000"/>
-              </a:lnSpc>
-            </a:pPr>
-            <a:r>
-              <a:rPr lang="nl-NL" sz="1400" dirty="0" smtClean="0"/>
-              <a:t>Open solution …/Calculator.sln</a:t>
-            </a:r>
+            <a:endParaRPr lang="nl-NL" sz="1800" dirty="0" smtClean="0"/>
           </a:p>
           <a:p>
             <a:pPr>
@@ -6156,14 +6454,6 @@
                 <a:spcPct val="100000"/>
               </a:lnSpc>
             </a:pPr>
-            <a:endParaRPr lang="nl-NL" sz="2000" dirty="0"/>
-          </a:p>
-          <a:p>
-            <a:pPr>
-              <a:lnSpc>
-                <a:spcPct val="100000"/>
-              </a:lnSpc>
-            </a:pPr>
             <a:endParaRPr lang="nl-NL" sz="1600" dirty="0" smtClean="0"/>
           </a:p>
         </p:txBody>
@@ -6171,7 +6461,7 @@
     </p:spTree>
     <p:extLst>
       <p:ext uri="{BB962C8B-B14F-4D97-AF65-F5344CB8AC3E}">
-        <p14:creationId xmlns:p14="http://schemas.microsoft.com/office/powerpoint/2010/main" val="131983663"/>
+        <p14:creationId xmlns:p14="http://schemas.microsoft.com/office/powerpoint/2010/main" val="3955001033"/>
       </p:ext>
     </p:extLst>
   </p:cSld>

--- a/calculator/Coding Kata - Calculator.pptx
+++ b/calculator/Coding Kata - Calculator.pptx
@@ -5693,15 +5693,7 @@
             </a:pPr>
             <a:r>
               <a:rPr lang="nl-NL" sz="2800" dirty="0" smtClean="0"/>
-              <a:t>Coderen! </a:t>
-            </a:r>
-            <a:r>
-              <a:rPr lang="nl-NL" sz="2800" dirty="0" smtClean="0"/>
-              <a:t>(20 </a:t>
-            </a:r>
-            <a:r>
-              <a:rPr lang="nl-NL" sz="2800" dirty="0" smtClean="0"/>
-              <a:t>minuten)</a:t>
+              <a:t>Coderen! (20 minuten)</a:t>
             </a:r>
           </a:p>
           <a:p>
@@ -5722,7 +5714,6 @@
               <a:rPr lang="nl-NL" sz="2800" dirty="0" smtClean="0"/>
               <a:t>Presentatie en feedback (15 minuten)</a:t>
             </a:r>
-            <a:endParaRPr lang="nl-NL" sz="2800" dirty="0" smtClean="0"/>
           </a:p>
           <a:p>
             <a:pPr>
@@ -5779,7 +5770,213 @@
   <p:timing>
     <p:tnLst>
       <p:par>
-        <p:cTn id="1" dur="indefinite" restart="never" nodeType="tmRoot"/>
+        <p:cTn id="1" dur="indefinite" restart="never" nodeType="tmRoot">
+          <p:childTnLst>
+            <p:seq concurrent="1" nextAc="seek">
+              <p:cTn id="2" dur="indefinite" nodeType="mainSeq">
+                <p:childTnLst>
+                  <p:par>
+                    <p:cTn id="3" fill="hold">
+                      <p:stCondLst>
+                        <p:cond delay="indefinite"/>
+                      </p:stCondLst>
+                      <p:childTnLst>
+                        <p:par>
+                          <p:cTn id="4" fill="hold">
+                            <p:stCondLst>
+                              <p:cond delay="0"/>
+                            </p:stCondLst>
+                            <p:childTnLst>
+                              <p:par>
+                                <p:cTn id="5" presetID="10" presetClass="entr" presetSubtype="0" fill="hold" nodeType="clickEffect">
+                                  <p:stCondLst>
+                                    <p:cond delay="0"/>
+                                  </p:stCondLst>
+                                  <p:childTnLst>
+                                    <p:set>
+                                      <p:cBhvr>
+                                        <p:cTn id="6" dur="1" fill="hold">
+                                          <p:stCondLst>
+                                            <p:cond delay="0"/>
+                                          </p:stCondLst>
+                                        </p:cTn>
+                                        <p:tgtEl>
+                                          <p:spTgt spid="6">
+                                            <p:txEl>
+                                              <p:pRg st="0" end="0"/>
+                                            </p:txEl>
+                                          </p:spTgt>
+                                        </p:tgtEl>
+                                        <p:attrNameLst>
+                                          <p:attrName>style.visibility</p:attrName>
+                                        </p:attrNameLst>
+                                      </p:cBhvr>
+                                      <p:to>
+                                        <p:strVal val="visible"/>
+                                      </p:to>
+                                    </p:set>
+                                    <p:animEffect transition="in" filter="fade">
+                                      <p:cBhvr>
+                                        <p:cTn id="7" dur="500"/>
+                                        <p:tgtEl>
+                                          <p:spTgt spid="6">
+                                            <p:txEl>
+                                              <p:pRg st="0" end="0"/>
+                                            </p:txEl>
+                                          </p:spTgt>
+                                        </p:tgtEl>
+                                      </p:cBhvr>
+                                    </p:animEffect>
+                                  </p:childTnLst>
+                                </p:cTn>
+                              </p:par>
+                            </p:childTnLst>
+                          </p:cTn>
+                        </p:par>
+                      </p:childTnLst>
+                    </p:cTn>
+                  </p:par>
+                  <p:par>
+                    <p:cTn id="8" fill="hold">
+                      <p:stCondLst>
+                        <p:cond delay="indefinite"/>
+                      </p:stCondLst>
+                      <p:childTnLst>
+                        <p:par>
+                          <p:cTn id="9" fill="hold">
+                            <p:stCondLst>
+                              <p:cond delay="0"/>
+                            </p:stCondLst>
+                            <p:childTnLst>
+                              <p:par>
+                                <p:cTn id="10" presetID="10" presetClass="entr" presetSubtype="0" fill="hold" nodeType="clickEffect">
+                                  <p:stCondLst>
+                                    <p:cond delay="0"/>
+                                  </p:stCondLst>
+                                  <p:childTnLst>
+                                    <p:set>
+                                      <p:cBhvr>
+                                        <p:cTn id="11" dur="1" fill="hold">
+                                          <p:stCondLst>
+                                            <p:cond delay="0"/>
+                                          </p:stCondLst>
+                                        </p:cTn>
+                                        <p:tgtEl>
+                                          <p:spTgt spid="6">
+                                            <p:txEl>
+                                              <p:pRg st="2" end="2"/>
+                                            </p:txEl>
+                                          </p:spTgt>
+                                        </p:tgtEl>
+                                        <p:attrNameLst>
+                                          <p:attrName>style.visibility</p:attrName>
+                                        </p:attrNameLst>
+                                      </p:cBhvr>
+                                      <p:to>
+                                        <p:strVal val="visible"/>
+                                      </p:to>
+                                    </p:set>
+                                    <p:animEffect transition="in" filter="fade">
+                                      <p:cBhvr>
+                                        <p:cTn id="12" dur="500"/>
+                                        <p:tgtEl>
+                                          <p:spTgt spid="6">
+                                            <p:txEl>
+                                              <p:pRg st="2" end="2"/>
+                                            </p:txEl>
+                                          </p:spTgt>
+                                        </p:tgtEl>
+                                      </p:cBhvr>
+                                    </p:animEffect>
+                                  </p:childTnLst>
+                                </p:cTn>
+                              </p:par>
+                            </p:childTnLst>
+                          </p:cTn>
+                        </p:par>
+                      </p:childTnLst>
+                    </p:cTn>
+                  </p:par>
+                  <p:par>
+                    <p:cTn id="13" fill="hold">
+                      <p:stCondLst>
+                        <p:cond delay="indefinite"/>
+                      </p:stCondLst>
+                      <p:childTnLst>
+                        <p:par>
+                          <p:cTn id="14" fill="hold">
+                            <p:stCondLst>
+                              <p:cond delay="0"/>
+                            </p:stCondLst>
+                            <p:childTnLst>
+                              <p:par>
+                                <p:cTn id="15" presetID="10" presetClass="entr" presetSubtype="0" fill="hold" nodeType="clickEffect">
+                                  <p:stCondLst>
+                                    <p:cond delay="0"/>
+                                  </p:stCondLst>
+                                  <p:childTnLst>
+                                    <p:set>
+                                      <p:cBhvr>
+                                        <p:cTn id="16" dur="1" fill="hold">
+                                          <p:stCondLst>
+                                            <p:cond delay="0"/>
+                                          </p:stCondLst>
+                                        </p:cTn>
+                                        <p:tgtEl>
+                                          <p:spTgt spid="6">
+                                            <p:txEl>
+                                              <p:pRg st="4" end="4"/>
+                                            </p:txEl>
+                                          </p:spTgt>
+                                        </p:tgtEl>
+                                        <p:attrNameLst>
+                                          <p:attrName>style.visibility</p:attrName>
+                                        </p:attrNameLst>
+                                      </p:cBhvr>
+                                      <p:to>
+                                        <p:strVal val="visible"/>
+                                      </p:to>
+                                    </p:set>
+                                    <p:animEffect transition="in" filter="fade">
+                                      <p:cBhvr>
+                                        <p:cTn id="17" dur="500"/>
+                                        <p:tgtEl>
+                                          <p:spTgt spid="6">
+                                            <p:txEl>
+                                              <p:pRg st="4" end="4"/>
+                                            </p:txEl>
+                                          </p:spTgt>
+                                        </p:tgtEl>
+                                      </p:cBhvr>
+                                    </p:animEffect>
+                                  </p:childTnLst>
+                                </p:cTn>
+                              </p:par>
+                            </p:childTnLst>
+                          </p:cTn>
+                        </p:par>
+                      </p:childTnLst>
+                    </p:cTn>
+                  </p:par>
+                </p:childTnLst>
+              </p:cTn>
+              <p:prevCondLst>
+                <p:cond evt="onPrev" delay="0">
+                  <p:tgtEl>
+                    <p:sldTgt/>
+                  </p:tgtEl>
+                </p:cond>
+              </p:prevCondLst>
+              <p:nextCondLst>
+                <p:cond evt="onNext" delay="0">
+                  <p:tgtEl>
+                    <p:sldTgt/>
+                  </p:tgtEl>
+                </p:cond>
+              </p:nextCondLst>
+            </p:seq>
+          </p:childTnLst>
+        </p:cTn>
       </p:par>
     </p:tnLst>
   </p:timing>
@@ -5918,8 +6115,56 @@
               <a:buNone/>
             </a:pPr>
             <a:r>
+              <a:rPr lang="nl-NL" sz="2400" dirty="0"/>
+              <a:t>Wat doet het?</a:t>
+            </a:r>
+          </a:p>
+          <a:p>
+            <a:pPr>
+              <a:lnSpc>
+                <a:spcPct val="100000"/>
+              </a:lnSpc>
+            </a:pPr>
+            <a:r>
+              <a:rPr lang="nl-NL" sz="2400" dirty="0"/>
+              <a:t>Sommeert alle integers in een array…</a:t>
+            </a:r>
+          </a:p>
+          <a:p>
+            <a:pPr marL="0" indent="0">
+              <a:lnSpc>
+                <a:spcPct val="100000"/>
+              </a:lnSpc>
+              <a:buNone/>
+            </a:pPr>
+            <a:r>
               <a:rPr lang="nl-NL" sz="2400" dirty="0" smtClean="0"/>
-              <a:t>Doel van deze </a:t>
+              <a:t>	[2, 4, 9] = 15</a:t>
+            </a:r>
+          </a:p>
+          <a:p>
+            <a:pPr marL="0" indent="0">
+              <a:lnSpc>
+                <a:spcPct val="100000"/>
+              </a:lnSpc>
+              <a:buNone/>
+            </a:pPr>
+            <a:endParaRPr lang="nl-NL" sz="2400" dirty="0"/>
+          </a:p>
+          <a:p>
+            <a:pPr marL="0" indent="0">
+              <a:lnSpc>
+                <a:spcPct val="100000"/>
+              </a:lnSpc>
+              <a:buNone/>
+            </a:pPr>
+            <a:r>
+              <a:rPr lang="nl-NL" sz="2400" dirty="0" smtClean="0"/>
+              <a:t>Doel </a:t>
+            </a:r>
+            <a:r>
+              <a:rPr lang="nl-NL" sz="2400" dirty="0" smtClean="0"/>
+              <a:t>van deze </a:t>
             </a:r>
             <a:r>
               <a:rPr lang="nl-NL" sz="2400" dirty="0" err="1" smtClean="0"/>
@@ -5996,33 +6241,6 @@
               <a:buNone/>
             </a:pPr>
             <a:endParaRPr lang="nl-NL" sz="2400" dirty="0" smtClean="0"/>
-          </a:p>
-          <a:p>
-            <a:pPr marL="0" indent="0">
-              <a:lnSpc>
-                <a:spcPct val="100000"/>
-              </a:lnSpc>
-              <a:buNone/>
-            </a:pPr>
-            <a:r>
-              <a:rPr lang="nl-NL" sz="2400" dirty="0" smtClean="0"/>
-              <a:t>Wat </a:t>
-            </a:r>
-            <a:r>
-              <a:rPr lang="nl-NL" sz="2400" dirty="0" smtClean="0"/>
-              <a:t>doet het?</a:t>
-            </a:r>
-          </a:p>
-          <a:p>
-            <a:pPr>
-              <a:lnSpc>
-                <a:spcPct val="100000"/>
-              </a:lnSpc>
-            </a:pPr>
-            <a:r>
-              <a:rPr lang="nl-NL" sz="2400" dirty="0" smtClean="0"/>
-              <a:t>Sommeert alle integers in een array…</a:t>
-            </a:r>
           </a:p>
           <a:p>
             <a:pPr>
@@ -6071,7 +6289,457 @@
   <p:timing>
     <p:tnLst>
       <p:par>
-        <p:cTn id="1" dur="indefinite" restart="never" nodeType="tmRoot"/>
+        <p:cTn id="1" dur="indefinite" restart="never" nodeType="tmRoot">
+          <p:childTnLst>
+            <p:seq concurrent="1" nextAc="seek">
+              <p:cTn id="2" dur="indefinite" nodeType="mainSeq">
+                <p:childTnLst>
+                  <p:par>
+                    <p:cTn id="3" fill="hold">
+                      <p:stCondLst>
+                        <p:cond delay="indefinite"/>
+                      </p:stCondLst>
+                      <p:childTnLst>
+                        <p:par>
+                          <p:cTn id="4" fill="hold">
+                            <p:stCondLst>
+                              <p:cond delay="0"/>
+                            </p:stCondLst>
+                            <p:childTnLst>
+                              <p:par>
+                                <p:cTn id="5" presetID="10" presetClass="entr" presetSubtype="0" fill="hold" nodeType="clickEffect">
+                                  <p:stCondLst>
+                                    <p:cond delay="0"/>
+                                  </p:stCondLst>
+                                  <p:childTnLst>
+                                    <p:set>
+                                      <p:cBhvr>
+                                        <p:cTn id="6" dur="1" fill="hold">
+                                          <p:stCondLst>
+                                            <p:cond delay="0"/>
+                                          </p:stCondLst>
+                                        </p:cTn>
+                                        <p:tgtEl>
+                                          <p:spTgt spid="6">
+                                            <p:txEl>
+                                              <p:pRg st="0" end="0"/>
+                                            </p:txEl>
+                                          </p:spTgt>
+                                        </p:tgtEl>
+                                        <p:attrNameLst>
+                                          <p:attrName>style.visibility</p:attrName>
+                                        </p:attrNameLst>
+                                      </p:cBhvr>
+                                      <p:to>
+                                        <p:strVal val="visible"/>
+                                      </p:to>
+                                    </p:set>
+                                    <p:animEffect transition="in" filter="fade">
+                                      <p:cBhvr>
+                                        <p:cTn id="7" dur="500"/>
+                                        <p:tgtEl>
+                                          <p:spTgt spid="6">
+                                            <p:txEl>
+                                              <p:pRg st="0" end="0"/>
+                                            </p:txEl>
+                                          </p:spTgt>
+                                        </p:tgtEl>
+                                      </p:cBhvr>
+                                    </p:animEffect>
+                                  </p:childTnLst>
+                                </p:cTn>
+                              </p:par>
+                            </p:childTnLst>
+                          </p:cTn>
+                        </p:par>
+                      </p:childTnLst>
+                    </p:cTn>
+                  </p:par>
+                  <p:par>
+                    <p:cTn id="8" fill="hold">
+                      <p:stCondLst>
+                        <p:cond delay="indefinite"/>
+                      </p:stCondLst>
+                      <p:childTnLst>
+                        <p:par>
+                          <p:cTn id="9" fill="hold">
+                            <p:stCondLst>
+                              <p:cond delay="0"/>
+                            </p:stCondLst>
+                            <p:childTnLst>
+                              <p:par>
+                                <p:cTn id="10" presetID="10" presetClass="entr" presetSubtype="0" fill="hold" nodeType="clickEffect">
+                                  <p:stCondLst>
+                                    <p:cond delay="0"/>
+                                  </p:stCondLst>
+                                  <p:childTnLst>
+                                    <p:set>
+                                      <p:cBhvr>
+                                        <p:cTn id="11" dur="1" fill="hold">
+                                          <p:stCondLst>
+                                            <p:cond delay="0"/>
+                                          </p:stCondLst>
+                                        </p:cTn>
+                                        <p:tgtEl>
+                                          <p:spTgt spid="6">
+                                            <p:txEl>
+                                              <p:pRg st="1" end="1"/>
+                                            </p:txEl>
+                                          </p:spTgt>
+                                        </p:tgtEl>
+                                        <p:attrNameLst>
+                                          <p:attrName>style.visibility</p:attrName>
+                                        </p:attrNameLst>
+                                      </p:cBhvr>
+                                      <p:to>
+                                        <p:strVal val="visible"/>
+                                      </p:to>
+                                    </p:set>
+                                    <p:animEffect transition="in" filter="fade">
+                                      <p:cBhvr>
+                                        <p:cTn id="12" dur="500"/>
+                                        <p:tgtEl>
+                                          <p:spTgt spid="6">
+                                            <p:txEl>
+                                              <p:pRg st="1" end="1"/>
+                                            </p:txEl>
+                                          </p:spTgt>
+                                        </p:tgtEl>
+                                      </p:cBhvr>
+                                    </p:animEffect>
+                                  </p:childTnLst>
+                                </p:cTn>
+                              </p:par>
+                            </p:childTnLst>
+                          </p:cTn>
+                        </p:par>
+                      </p:childTnLst>
+                    </p:cTn>
+                  </p:par>
+                  <p:par>
+                    <p:cTn id="13" fill="hold">
+                      <p:stCondLst>
+                        <p:cond delay="indefinite"/>
+                      </p:stCondLst>
+                      <p:childTnLst>
+                        <p:par>
+                          <p:cTn id="14" fill="hold">
+                            <p:stCondLst>
+                              <p:cond delay="0"/>
+                            </p:stCondLst>
+                            <p:childTnLst>
+                              <p:par>
+                                <p:cTn id="15" presetID="10" presetClass="entr" presetSubtype="0" fill="hold" nodeType="clickEffect">
+                                  <p:stCondLst>
+                                    <p:cond delay="0"/>
+                                  </p:stCondLst>
+                                  <p:childTnLst>
+                                    <p:set>
+                                      <p:cBhvr>
+                                        <p:cTn id="16" dur="1" fill="hold">
+                                          <p:stCondLst>
+                                            <p:cond delay="0"/>
+                                          </p:stCondLst>
+                                        </p:cTn>
+                                        <p:tgtEl>
+                                          <p:spTgt spid="6">
+                                            <p:txEl>
+                                              <p:pRg st="2" end="2"/>
+                                            </p:txEl>
+                                          </p:spTgt>
+                                        </p:tgtEl>
+                                        <p:attrNameLst>
+                                          <p:attrName>style.visibility</p:attrName>
+                                        </p:attrNameLst>
+                                      </p:cBhvr>
+                                      <p:to>
+                                        <p:strVal val="visible"/>
+                                      </p:to>
+                                    </p:set>
+                                    <p:animEffect transition="in" filter="fade">
+                                      <p:cBhvr>
+                                        <p:cTn id="17" dur="500"/>
+                                        <p:tgtEl>
+                                          <p:spTgt spid="6">
+                                            <p:txEl>
+                                              <p:pRg st="2" end="2"/>
+                                            </p:txEl>
+                                          </p:spTgt>
+                                        </p:tgtEl>
+                                      </p:cBhvr>
+                                    </p:animEffect>
+                                  </p:childTnLst>
+                                </p:cTn>
+                              </p:par>
+                            </p:childTnLst>
+                          </p:cTn>
+                        </p:par>
+                      </p:childTnLst>
+                    </p:cTn>
+                  </p:par>
+                  <p:par>
+                    <p:cTn id="18" fill="hold">
+                      <p:stCondLst>
+                        <p:cond delay="indefinite"/>
+                      </p:stCondLst>
+                      <p:childTnLst>
+                        <p:par>
+                          <p:cTn id="19" fill="hold">
+                            <p:stCondLst>
+                              <p:cond delay="0"/>
+                            </p:stCondLst>
+                            <p:childTnLst>
+                              <p:par>
+                                <p:cTn id="20" presetID="10" presetClass="entr" presetSubtype="0" fill="hold" nodeType="clickEffect">
+                                  <p:stCondLst>
+                                    <p:cond delay="0"/>
+                                  </p:stCondLst>
+                                  <p:childTnLst>
+                                    <p:set>
+                                      <p:cBhvr>
+                                        <p:cTn id="21" dur="1" fill="hold">
+                                          <p:stCondLst>
+                                            <p:cond delay="0"/>
+                                          </p:stCondLst>
+                                        </p:cTn>
+                                        <p:tgtEl>
+                                          <p:spTgt spid="6">
+                                            <p:txEl>
+                                              <p:pRg st="4" end="4"/>
+                                            </p:txEl>
+                                          </p:spTgt>
+                                        </p:tgtEl>
+                                        <p:attrNameLst>
+                                          <p:attrName>style.visibility</p:attrName>
+                                        </p:attrNameLst>
+                                      </p:cBhvr>
+                                      <p:to>
+                                        <p:strVal val="visible"/>
+                                      </p:to>
+                                    </p:set>
+                                    <p:animEffect transition="in" filter="fade">
+                                      <p:cBhvr>
+                                        <p:cTn id="22" dur="500"/>
+                                        <p:tgtEl>
+                                          <p:spTgt spid="6">
+                                            <p:txEl>
+                                              <p:pRg st="4" end="4"/>
+                                            </p:txEl>
+                                          </p:spTgt>
+                                        </p:tgtEl>
+                                      </p:cBhvr>
+                                    </p:animEffect>
+                                  </p:childTnLst>
+                                </p:cTn>
+                              </p:par>
+                            </p:childTnLst>
+                          </p:cTn>
+                        </p:par>
+                      </p:childTnLst>
+                    </p:cTn>
+                  </p:par>
+                  <p:par>
+                    <p:cTn id="23" fill="hold">
+                      <p:stCondLst>
+                        <p:cond delay="indefinite"/>
+                      </p:stCondLst>
+                      <p:childTnLst>
+                        <p:par>
+                          <p:cTn id="24" fill="hold">
+                            <p:stCondLst>
+                              <p:cond delay="0"/>
+                            </p:stCondLst>
+                            <p:childTnLst>
+                              <p:par>
+                                <p:cTn id="25" presetID="10" presetClass="entr" presetSubtype="0" fill="hold" nodeType="clickEffect">
+                                  <p:stCondLst>
+                                    <p:cond delay="0"/>
+                                  </p:stCondLst>
+                                  <p:childTnLst>
+                                    <p:set>
+                                      <p:cBhvr>
+                                        <p:cTn id="26" dur="1" fill="hold">
+                                          <p:stCondLst>
+                                            <p:cond delay="0"/>
+                                          </p:stCondLst>
+                                        </p:cTn>
+                                        <p:tgtEl>
+                                          <p:spTgt spid="6">
+                                            <p:txEl>
+                                              <p:pRg st="5" end="5"/>
+                                            </p:txEl>
+                                          </p:spTgt>
+                                        </p:tgtEl>
+                                        <p:attrNameLst>
+                                          <p:attrName>style.visibility</p:attrName>
+                                        </p:attrNameLst>
+                                      </p:cBhvr>
+                                      <p:to>
+                                        <p:strVal val="visible"/>
+                                      </p:to>
+                                    </p:set>
+                                    <p:animEffect transition="in" filter="fade">
+                                      <p:cBhvr>
+                                        <p:cTn id="27" dur="500"/>
+                                        <p:tgtEl>
+                                          <p:spTgt spid="6">
+                                            <p:txEl>
+                                              <p:pRg st="5" end="5"/>
+                                            </p:txEl>
+                                          </p:spTgt>
+                                        </p:tgtEl>
+                                      </p:cBhvr>
+                                    </p:animEffect>
+                                  </p:childTnLst>
+                                </p:cTn>
+                              </p:par>
+                            </p:childTnLst>
+                          </p:cTn>
+                        </p:par>
+                      </p:childTnLst>
+                    </p:cTn>
+                  </p:par>
+                  <p:par>
+                    <p:cTn id="28" fill="hold">
+                      <p:stCondLst>
+                        <p:cond delay="indefinite"/>
+                      </p:stCondLst>
+                      <p:childTnLst>
+                        <p:par>
+                          <p:cTn id="29" fill="hold">
+                            <p:stCondLst>
+                              <p:cond delay="0"/>
+                            </p:stCondLst>
+                            <p:childTnLst>
+                              <p:par>
+                                <p:cTn id="30" presetID="10" presetClass="entr" presetSubtype="0" fill="hold" nodeType="clickEffect">
+                                  <p:stCondLst>
+                                    <p:cond delay="0"/>
+                                  </p:stCondLst>
+                                  <p:childTnLst>
+                                    <p:set>
+                                      <p:cBhvr>
+                                        <p:cTn id="31" dur="1" fill="hold">
+                                          <p:stCondLst>
+                                            <p:cond delay="0"/>
+                                          </p:stCondLst>
+                                        </p:cTn>
+                                        <p:tgtEl>
+                                          <p:spTgt spid="6">
+                                            <p:txEl>
+                                              <p:pRg st="6" end="6"/>
+                                            </p:txEl>
+                                          </p:spTgt>
+                                        </p:tgtEl>
+                                        <p:attrNameLst>
+                                          <p:attrName>style.visibility</p:attrName>
+                                        </p:attrNameLst>
+                                      </p:cBhvr>
+                                      <p:to>
+                                        <p:strVal val="visible"/>
+                                      </p:to>
+                                    </p:set>
+                                    <p:animEffect transition="in" filter="fade">
+                                      <p:cBhvr>
+                                        <p:cTn id="32" dur="500"/>
+                                        <p:tgtEl>
+                                          <p:spTgt spid="6">
+                                            <p:txEl>
+                                              <p:pRg st="6" end="6"/>
+                                            </p:txEl>
+                                          </p:spTgt>
+                                        </p:tgtEl>
+                                      </p:cBhvr>
+                                    </p:animEffect>
+                                  </p:childTnLst>
+                                </p:cTn>
+                              </p:par>
+                            </p:childTnLst>
+                          </p:cTn>
+                        </p:par>
+                      </p:childTnLst>
+                    </p:cTn>
+                  </p:par>
+                  <p:par>
+                    <p:cTn id="33" fill="hold">
+                      <p:stCondLst>
+                        <p:cond delay="indefinite"/>
+                      </p:stCondLst>
+                      <p:childTnLst>
+                        <p:par>
+                          <p:cTn id="34" fill="hold">
+                            <p:stCondLst>
+                              <p:cond delay="0"/>
+                            </p:stCondLst>
+                            <p:childTnLst>
+                              <p:par>
+                                <p:cTn id="35" presetID="10" presetClass="entr" presetSubtype="0" fill="hold" nodeType="clickEffect">
+                                  <p:stCondLst>
+                                    <p:cond delay="0"/>
+                                  </p:stCondLst>
+                                  <p:childTnLst>
+                                    <p:set>
+                                      <p:cBhvr>
+                                        <p:cTn id="36" dur="1" fill="hold">
+                                          <p:stCondLst>
+                                            <p:cond delay="0"/>
+                                          </p:stCondLst>
+                                        </p:cTn>
+                                        <p:tgtEl>
+                                          <p:spTgt spid="6">
+                                            <p:txEl>
+                                              <p:pRg st="7" end="7"/>
+                                            </p:txEl>
+                                          </p:spTgt>
+                                        </p:tgtEl>
+                                        <p:attrNameLst>
+                                          <p:attrName>style.visibility</p:attrName>
+                                        </p:attrNameLst>
+                                      </p:cBhvr>
+                                      <p:to>
+                                        <p:strVal val="visible"/>
+                                      </p:to>
+                                    </p:set>
+                                    <p:animEffect transition="in" filter="fade">
+                                      <p:cBhvr>
+                                        <p:cTn id="37" dur="500"/>
+                                        <p:tgtEl>
+                                          <p:spTgt spid="6">
+                                            <p:txEl>
+                                              <p:pRg st="7" end="7"/>
+                                            </p:txEl>
+                                          </p:spTgt>
+                                        </p:tgtEl>
+                                      </p:cBhvr>
+                                    </p:animEffect>
+                                  </p:childTnLst>
+                                </p:cTn>
+                              </p:par>
+                            </p:childTnLst>
+                          </p:cTn>
+                        </p:par>
+                      </p:childTnLst>
+                    </p:cTn>
+                  </p:par>
+                </p:childTnLst>
+              </p:cTn>
+              <p:prevCondLst>
+                <p:cond evt="onPrev" delay="0">
+                  <p:tgtEl>
+                    <p:sldTgt/>
+                  </p:tgtEl>
+                </p:cond>
+              </p:prevCondLst>
+              <p:nextCondLst>
+                <p:cond evt="onNext" delay="0">
+                  <p:tgtEl>
+                    <p:sldTgt/>
+                  </p:tgtEl>
+                </p:cond>
+              </p:nextCondLst>
+            </p:seq>
+          </p:childTnLst>
+        </p:cTn>
       </p:par>
     </p:tnLst>
   </p:timing>
@@ -6211,11 +6879,7 @@
             </a:pPr>
             <a:r>
               <a:rPr lang="nl-NL" sz="2400" dirty="0" smtClean="0"/>
-              <a:t>Nodig</a:t>
-            </a:r>
-            <a:r>
-              <a:rPr lang="nl-NL" sz="2400" dirty="0" smtClean="0"/>
-              <a:t>:</a:t>
+              <a:t>Nodig:</a:t>
             </a:r>
             <a:endParaRPr lang="nl-NL" sz="2400" dirty="0"/>
           </a:p>
@@ -6274,11 +6938,7 @@
             </a:pPr>
             <a:r>
               <a:rPr lang="nl-NL" sz="1600" dirty="0" smtClean="0"/>
-              <a:t>1) VS </a:t>
-            </a:r>
-            <a:r>
-              <a:rPr lang="nl-NL" sz="1600" dirty="0" smtClean="0"/>
-              <a:t>&gt; </a:t>
+              <a:t>1) VS &gt; </a:t>
             </a:r>
             <a:r>
               <a:rPr lang="nl-NL" sz="1600" dirty="0" err="1" smtClean="0"/>
@@ -6302,11 +6962,7 @@
             </a:pPr>
             <a:r>
               <a:rPr lang="nl-NL" sz="1600" dirty="0" smtClean="0"/>
-              <a:t>2) </a:t>
-            </a:r>
-            <a:r>
-              <a:rPr lang="nl-NL" sz="1600" dirty="0" smtClean="0"/>
-              <a:t>zoek </a:t>
+              <a:t>2) zoek </a:t>
             </a:r>
             <a:r>
               <a:rPr lang="nl-NL" sz="1600" dirty="0"/>
@@ -6422,13 +7078,7 @@
               <a:rPr lang="nl-NL" sz="2000" dirty="0">
                 <a:hlinkClick r:id="rId2"/>
               </a:rPr>
-              <a:t>https://xunit.github.io</a:t>
-            </a:r>
-            <a:r>
-              <a:rPr lang="nl-NL" sz="2000" dirty="0">
-                <a:hlinkClick r:id="rId2"/>
-              </a:rPr>
-              <a:t>/</a:t>
+              <a:t>https://xunit.github.io/</a:t>
             </a:r>
             <a:endParaRPr lang="nl-NL" sz="2000" dirty="0"/>
           </a:p>
@@ -6471,7 +7121,471 @@
   <p:timing>
     <p:tnLst>
       <p:par>
-        <p:cTn id="1" dur="indefinite" restart="never" nodeType="tmRoot"/>
+        <p:cTn id="1" dur="indefinite" restart="never" nodeType="tmRoot">
+          <p:childTnLst>
+            <p:seq concurrent="1" nextAc="seek">
+              <p:cTn id="2" dur="indefinite" nodeType="mainSeq">
+                <p:childTnLst>
+                  <p:par>
+                    <p:cTn id="3" fill="hold">
+                      <p:stCondLst>
+                        <p:cond delay="indefinite"/>
+                      </p:stCondLst>
+                      <p:childTnLst>
+                        <p:par>
+                          <p:cTn id="4" fill="hold">
+                            <p:stCondLst>
+                              <p:cond delay="0"/>
+                            </p:stCondLst>
+                            <p:childTnLst>
+                              <p:par>
+                                <p:cTn id="5" presetID="10" presetClass="entr" presetSubtype="0" fill="hold" nodeType="clickEffect">
+                                  <p:stCondLst>
+                                    <p:cond delay="0"/>
+                                  </p:stCondLst>
+                                  <p:childTnLst>
+                                    <p:set>
+                                      <p:cBhvr>
+                                        <p:cTn id="6" dur="1" fill="hold">
+                                          <p:stCondLst>
+                                            <p:cond delay="0"/>
+                                          </p:stCondLst>
+                                        </p:cTn>
+                                        <p:tgtEl>
+                                          <p:spTgt spid="6">
+                                            <p:txEl>
+                                              <p:pRg st="0" end="0"/>
+                                            </p:txEl>
+                                          </p:spTgt>
+                                        </p:tgtEl>
+                                        <p:attrNameLst>
+                                          <p:attrName>style.visibility</p:attrName>
+                                        </p:attrNameLst>
+                                      </p:cBhvr>
+                                      <p:to>
+                                        <p:strVal val="visible"/>
+                                      </p:to>
+                                    </p:set>
+                                    <p:animEffect transition="in" filter="fade">
+                                      <p:cBhvr>
+                                        <p:cTn id="7" dur="500"/>
+                                        <p:tgtEl>
+                                          <p:spTgt spid="6">
+                                            <p:txEl>
+                                              <p:pRg st="0" end="0"/>
+                                            </p:txEl>
+                                          </p:spTgt>
+                                        </p:tgtEl>
+                                      </p:cBhvr>
+                                    </p:animEffect>
+                                  </p:childTnLst>
+                                </p:cTn>
+                              </p:par>
+                              <p:par>
+                                <p:cTn id="8" presetID="10" presetClass="entr" presetSubtype="0" fill="hold" nodeType="withEffect">
+                                  <p:stCondLst>
+                                    <p:cond delay="0"/>
+                                  </p:stCondLst>
+                                  <p:childTnLst>
+                                    <p:set>
+                                      <p:cBhvr>
+                                        <p:cTn id="9" dur="1" fill="hold">
+                                          <p:stCondLst>
+                                            <p:cond delay="0"/>
+                                          </p:stCondLst>
+                                        </p:cTn>
+                                        <p:tgtEl>
+                                          <p:spTgt spid="6">
+                                            <p:txEl>
+                                              <p:pRg st="1" end="1"/>
+                                            </p:txEl>
+                                          </p:spTgt>
+                                        </p:tgtEl>
+                                        <p:attrNameLst>
+                                          <p:attrName>style.visibility</p:attrName>
+                                        </p:attrNameLst>
+                                      </p:cBhvr>
+                                      <p:to>
+                                        <p:strVal val="visible"/>
+                                      </p:to>
+                                    </p:set>
+                                    <p:animEffect transition="in" filter="fade">
+                                      <p:cBhvr>
+                                        <p:cTn id="10" dur="500"/>
+                                        <p:tgtEl>
+                                          <p:spTgt spid="6">
+                                            <p:txEl>
+                                              <p:pRg st="1" end="1"/>
+                                            </p:txEl>
+                                          </p:spTgt>
+                                        </p:tgtEl>
+                                      </p:cBhvr>
+                                    </p:animEffect>
+                                  </p:childTnLst>
+                                </p:cTn>
+                              </p:par>
+                              <p:par>
+                                <p:cTn id="11" presetID="10" presetClass="entr" presetSubtype="0" fill="hold" nodeType="withEffect">
+                                  <p:stCondLst>
+                                    <p:cond delay="0"/>
+                                  </p:stCondLst>
+                                  <p:childTnLst>
+                                    <p:set>
+                                      <p:cBhvr>
+                                        <p:cTn id="12" dur="1" fill="hold">
+                                          <p:stCondLst>
+                                            <p:cond delay="0"/>
+                                          </p:stCondLst>
+                                        </p:cTn>
+                                        <p:tgtEl>
+                                          <p:spTgt spid="6">
+                                            <p:txEl>
+                                              <p:pRg st="2" end="2"/>
+                                            </p:txEl>
+                                          </p:spTgt>
+                                        </p:tgtEl>
+                                        <p:attrNameLst>
+                                          <p:attrName>style.visibility</p:attrName>
+                                        </p:attrNameLst>
+                                      </p:cBhvr>
+                                      <p:to>
+                                        <p:strVal val="visible"/>
+                                      </p:to>
+                                    </p:set>
+                                    <p:animEffect transition="in" filter="fade">
+                                      <p:cBhvr>
+                                        <p:cTn id="13" dur="500"/>
+                                        <p:tgtEl>
+                                          <p:spTgt spid="6">
+                                            <p:txEl>
+                                              <p:pRg st="2" end="2"/>
+                                            </p:txEl>
+                                          </p:spTgt>
+                                        </p:tgtEl>
+                                      </p:cBhvr>
+                                    </p:animEffect>
+                                  </p:childTnLst>
+                                </p:cTn>
+                              </p:par>
+                              <p:par>
+                                <p:cTn id="14" presetID="10" presetClass="entr" presetSubtype="0" fill="hold" nodeType="withEffect">
+                                  <p:stCondLst>
+                                    <p:cond delay="0"/>
+                                  </p:stCondLst>
+                                  <p:childTnLst>
+                                    <p:set>
+                                      <p:cBhvr>
+                                        <p:cTn id="15" dur="1" fill="hold">
+                                          <p:stCondLst>
+                                            <p:cond delay="0"/>
+                                          </p:stCondLst>
+                                        </p:cTn>
+                                        <p:tgtEl>
+                                          <p:spTgt spid="6">
+                                            <p:txEl>
+                                              <p:pRg st="3" end="3"/>
+                                            </p:txEl>
+                                          </p:spTgt>
+                                        </p:tgtEl>
+                                        <p:attrNameLst>
+                                          <p:attrName>style.visibility</p:attrName>
+                                        </p:attrNameLst>
+                                      </p:cBhvr>
+                                      <p:to>
+                                        <p:strVal val="visible"/>
+                                      </p:to>
+                                    </p:set>
+                                    <p:animEffect transition="in" filter="fade">
+                                      <p:cBhvr>
+                                        <p:cTn id="16" dur="500"/>
+                                        <p:tgtEl>
+                                          <p:spTgt spid="6">
+                                            <p:txEl>
+                                              <p:pRg st="3" end="3"/>
+                                            </p:txEl>
+                                          </p:spTgt>
+                                        </p:tgtEl>
+                                      </p:cBhvr>
+                                    </p:animEffect>
+                                  </p:childTnLst>
+                                </p:cTn>
+                              </p:par>
+                              <p:par>
+                                <p:cTn id="17" presetID="10" presetClass="entr" presetSubtype="0" fill="hold" nodeType="withEffect">
+                                  <p:stCondLst>
+                                    <p:cond delay="0"/>
+                                  </p:stCondLst>
+                                  <p:childTnLst>
+                                    <p:set>
+                                      <p:cBhvr>
+                                        <p:cTn id="18" dur="1" fill="hold">
+                                          <p:stCondLst>
+                                            <p:cond delay="0"/>
+                                          </p:stCondLst>
+                                        </p:cTn>
+                                        <p:tgtEl>
+                                          <p:spTgt spid="6">
+                                            <p:txEl>
+                                              <p:pRg st="4" end="4"/>
+                                            </p:txEl>
+                                          </p:spTgt>
+                                        </p:tgtEl>
+                                        <p:attrNameLst>
+                                          <p:attrName>style.visibility</p:attrName>
+                                        </p:attrNameLst>
+                                      </p:cBhvr>
+                                      <p:to>
+                                        <p:strVal val="visible"/>
+                                      </p:to>
+                                    </p:set>
+                                    <p:animEffect transition="in" filter="fade">
+                                      <p:cBhvr>
+                                        <p:cTn id="19" dur="500"/>
+                                        <p:tgtEl>
+                                          <p:spTgt spid="6">
+                                            <p:txEl>
+                                              <p:pRg st="4" end="4"/>
+                                            </p:txEl>
+                                          </p:spTgt>
+                                        </p:tgtEl>
+                                      </p:cBhvr>
+                                    </p:animEffect>
+                                  </p:childTnLst>
+                                </p:cTn>
+                              </p:par>
+                              <p:par>
+                                <p:cTn id="20" presetID="10" presetClass="entr" presetSubtype="0" fill="hold" nodeType="withEffect">
+                                  <p:stCondLst>
+                                    <p:cond delay="0"/>
+                                  </p:stCondLst>
+                                  <p:childTnLst>
+                                    <p:set>
+                                      <p:cBhvr>
+                                        <p:cTn id="21" dur="1" fill="hold">
+                                          <p:stCondLst>
+                                            <p:cond delay="0"/>
+                                          </p:stCondLst>
+                                        </p:cTn>
+                                        <p:tgtEl>
+                                          <p:spTgt spid="6">
+                                            <p:txEl>
+                                              <p:pRg st="5" end="5"/>
+                                            </p:txEl>
+                                          </p:spTgt>
+                                        </p:tgtEl>
+                                        <p:attrNameLst>
+                                          <p:attrName>style.visibility</p:attrName>
+                                        </p:attrNameLst>
+                                      </p:cBhvr>
+                                      <p:to>
+                                        <p:strVal val="visible"/>
+                                      </p:to>
+                                    </p:set>
+                                    <p:animEffect transition="in" filter="fade">
+                                      <p:cBhvr>
+                                        <p:cTn id="22" dur="500"/>
+                                        <p:tgtEl>
+                                          <p:spTgt spid="6">
+                                            <p:txEl>
+                                              <p:pRg st="5" end="5"/>
+                                            </p:txEl>
+                                          </p:spTgt>
+                                        </p:tgtEl>
+                                      </p:cBhvr>
+                                    </p:animEffect>
+                                  </p:childTnLst>
+                                </p:cTn>
+                              </p:par>
+                            </p:childTnLst>
+                          </p:cTn>
+                        </p:par>
+                      </p:childTnLst>
+                    </p:cTn>
+                  </p:par>
+                  <p:par>
+                    <p:cTn id="23" fill="hold">
+                      <p:stCondLst>
+                        <p:cond delay="indefinite"/>
+                      </p:stCondLst>
+                      <p:childTnLst>
+                        <p:par>
+                          <p:cTn id="24" fill="hold">
+                            <p:stCondLst>
+                              <p:cond delay="0"/>
+                            </p:stCondLst>
+                            <p:childTnLst>
+                              <p:par>
+                                <p:cTn id="25" presetID="10" presetClass="entr" presetSubtype="0" fill="hold" nodeType="clickEffect">
+                                  <p:stCondLst>
+                                    <p:cond delay="0"/>
+                                  </p:stCondLst>
+                                  <p:childTnLst>
+                                    <p:set>
+                                      <p:cBhvr>
+                                        <p:cTn id="26" dur="1" fill="hold">
+                                          <p:stCondLst>
+                                            <p:cond delay="0"/>
+                                          </p:stCondLst>
+                                        </p:cTn>
+                                        <p:tgtEl>
+                                          <p:spTgt spid="6">
+                                            <p:txEl>
+                                              <p:pRg st="7" end="7"/>
+                                            </p:txEl>
+                                          </p:spTgt>
+                                        </p:tgtEl>
+                                        <p:attrNameLst>
+                                          <p:attrName>style.visibility</p:attrName>
+                                        </p:attrNameLst>
+                                      </p:cBhvr>
+                                      <p:to>
+                                        <p:strVal val="visible"/>
+                                      </p:to>
+                                    </p:set>
+                                    <p:animEffect transition="in" filter="fade">
+                                      <p:cBhvr>
+                                        <p:cTn id="27" dur="500"/>
+                                        <p:tgtEl>
+                                          <p:spTgt spid="6">
+                                            <p:txEl>
+                                              <p:pRg st="7" end="7"/>
+                                            </p:txEl>
+                                          </p:spTgt>
+                                        </p:tgtEl>
+                                      </p:cBhvr>
+                                    </p:animEffect>
+                                  </p:childTnLst>
+                                </p:cTn>
+                              </p:par>
+                            </p:childTnLst>
+                          </p:cTn>
+                        </p:par>
+                      </p:childTnLst>
+                    </p:cTn>
+                  </p:par>
+                  <p:par>
+                    <p:cTn id="28" fill="hold">
+                      <p:stCondLst>
+                        <p:cond delay="indefinite"/>
+                      </p:stCondLst>
+                      <p:childTnLst>
+                        <p:par>
+                          <p:cTn id="29" fill="hold">
+                            <p:stCondLst>
+                              <p:cond delay="0"/>
+                            </p:stCondLst>
+                            <p:childTnLst>
+                              <p:par>
+                                <p:cTn id="30" presetID="10" presetClass="entr" presetSubtype="0" fill="hold" nodeType="clickEffect">
+                                  <p:stCondLst>
+                                    <p:cond delay="0"/>
+                                  </p:stCondLst>
+                                  <p:childTnLst>
+                                    <p:set>
+                                      <p:cBhvr>
+                                        <p:cTn id="31" dur="1" fill="hold">
+                                          <p:stCondLst>
+                                            <p:cond delay="0"/>
+                                          </p:stCondLst>
+                                        </p:cTn>
+                                        <p:tgtEl>
+                                          <p:spTgt spid="6">
+                                            <p:txEl>
+                                              <p:pRg st="9" end="9"/>
+                                            </p:txEl>
+                                          </p:spTgt>
+                                        </p:tgtEl>
+                                        <p:attrNameLst>
+                                          <p:attrName>style.visibility</p:attrName>
+                                        </p:attrNameLst>
+                                      </p:cBhvr>
+                                      <p:to>
+                                        <p:strVal val="visible"/>
+                                      </p:to>
+                                    </p:set>
+                                    <p:animEffect transition="in" filter="fade">
+                                      <p:cBhvr>
+                                        <p:cTn id="32" dur="500"/>
+                                        <p:tgtEl>
+                                          <p:spTgt spid="6">
+                                            <p:txEl>
+                                              <p:pRg st="9" end="9"/>
+                                            </p:txEl>
+                                          </p:spTgt>
+                                        </p:tgtEl>
+                                      </p:cBhvr>
+                                    </p:animEffect>
+                                  </p:childTnLst>
+                                </p:cTn>
+                              </p:par>
+                              <p:par>
+                                <p:cTn id="33" presetID="10" presetClass="entr" presetSubtype="0" fill="hold" nodeType="withEffect">
+                                  <p:stCondLst>
+                                    <p:cond delay="0"/>
+                                  </p:stCondLst>
+                                  <p:childTnLst>
+                                    <p:set>
+                                      <p:cBhvr>
+                                        <p:cTn id="34" dur="1" fill="hold">
+                                          <p:stCondLst>
+                                            <p:cond delay="0"/>
+                                          </p:stCondLst>
+                                        </p:cTn>
+                                        <p:tgtEl>
+                                          <p:spTgt spid="6">
+                                            <p:txEl>
+                                              <p:pRg st="10" end="10"/>
+                                            </p:txEl>
+                                          </p:spTgt>
+                                        </p:tgtEl>
+                                        <p:attrNameLst>
+                                          <p:attrName>style.visibility</p:attrName>
+                                        </p:attrNameLst>
+                                      </p:cBhvr>
+                                      <p:to>
+                                        <p:strVal val="visible"/>
+                                      </p:to>
+                                    </p:set>
+                                    <p:animEffect transition="in" filter="fade">
+                                      <p:cBhvr>
+                                        <p:cTn id="35" dur="500"/>
+                                        <p:tgtEl>
+                                          <p:spTgt spid="6">
+                                            <p:txEl>
+                                              <p:pRg st="10" end="10"/>
+                                            </p:txEl>
+                                          </p:spTgt>
+                                        </p:tgtEl>
+                                      </p:cBhvr>
+                                    </p:animEffect>
+                                  </p:childTnLst>
+                                </p:cTn>
+                              </p:par>
+                            </p:childTnLst>
+                          </p:cTn>
+                        </p:par>
+                      </p:childTnLst>
+                    </p:cTn>
+                  </p:par>
+                </p:childTnLst>
+              </p:cTn>
+              <p:prevCondLst>
+                <p:cond evt="onPrev" delay="0">
+                  <p:tgtEl>
+                    <p:sldTgt/>
+                  </p:tgtEl>
+                </p:cond>
+              </p:prevCondLst>
+              <p:nextCondLst>
+                <p:cond evt="onNext" delay="0">
+                  <p:tgtEl>
+                    <p:sldTgt/>
+                  </p:tgtEl>
+                </p:cond>
+              </p:nextCondLst>
+            </p:seq>
+          </p:childTnLst>
+        </p:cTn>
       </p:par>
     </p:tnLst>
   </p:timing>

--- a/calculator/Coding Kata - Calculator.pptx
+++ b/calculator/Coding Kata - Calculator.pptx
@@ -223,7 +223,7 @@
           <a:p>
             <a:fld id="{312D2A74-5733-489F-AE3E-678E3C4642CF}" type="datetimeFigureOut">
               <a:rPr lang="nl-NL" smtClean="0"/>
-              <a:t>30-3-2016</a:t>
+              <a:t>31-3-2016</a:t>
             </a:fld>
             <a:endParaRPr lang="nl-NL"/>
           </a:p>
@@ -6160,11 +6160,7 @@
             </a:pPr>
             <a:r>
               <a:rPr lang="nl-NL" sz="2400" dirty="0" smtClean="0"/>
-              <a:t>Doel </a:t>
-            </a:r>
-            <a:r>
-              <a:rPr lang="nl-NL" sz="2400" dirty="0" smtClean="0"/>
-              <a:t>van deze </a:t>
+              <a:t>Doel van deze </a:t>
             </a:r>
             <a:r>
               <a:rPr lang="nl-NL" sz="2400" dirty="0" err="1" smtClean="0"/>
@@ -7130,6 +7126,9 @@
                     <p:cTn id="3" fill="hold">
                       <p:stCondLst>
                         <p:cond delay="indefinite"/>
+                        <p:cond evt="onBegin" delay="0">
+                          <p:tn val="2"/>
+                        </p:cond>
                       </p:stCondLst>
                       <p:childTnLst>
                         <p:par>
@@ -7139,7 +7138,7 @@
                             </p:stCondLst>
                             <p:childTnLst>
                               <p:par>
-                                <p:cTn id="5" presetID="10" presetClass="entr" presetSubtype="0" fill="hold" nodeType="clickEffect">
+                                <p:cTn id="5" presetID="10" presetClass="entr" presetSubtype="0" fill="hold" nodeType="withEffect">
                                   <p:stCondLst>
                                     <p:cond delay="0"/>
                                   </p:stCondLst>
